--- a/src/img/v3.pptx
+++ b/src/img/v3.pptx
@@ -10291,10 +10291,10 @@
       </p:grpSpPr>
       <p:grpSp>
         <p:nvGrpSpPr>
-          <p:cNvPr id="9" name="Group 8">
+          <p:cNvPr id="14" name="Group 13">
             <a:extLst>
               <a:ext uri="{FF2B5EF4-FFF2-40B4-BE49-F238E27FC236}">
-                <a16:creationId xmlns:a16="http://schemas.microsoft.com/office/drawing/2014/main" id="{D6F5EB49-A761-44DE-93DA-08BFE504E840}"/>
+                <a16:creationId xmlns:a16="http://schemas.microsoft.com/office/drawing/2014/main" id="{A887FC02-A6E6-41EB-8C66-CD5B42138CA4}"/>
               </a:ext>
             </a:extLst>
           </p:cNvPr>
@@ -10303,104 +10303,166 @@
         </p:nvGrpSpPr>
         <p:grpSpPr>
           <a:xfrm>
-            <a:off x="4436802" y="1576328"/>
-            <a:ext cx="3749749" cy="2819572"/>
-            <a:chOff x="4436802" y="1576328"/>
-            <a:chExt cx="3749749" cy="2819572"/>
+            <a:off x="4436802" y="112595"/>
+            <a:ext cx="7653599" cy="4283305"/>
+            <a:chOff x="4436802" y="112595"/>
+            <a:chExt cx="7653599" cy="4283305"/>
           </a:xfrm>
         </p:grpSpPr>
-        <p:sp>
-          <p:nvSpPr>
-            <p:cNvPr id="5" name="TextBox 4">
+        <p:grpSp>
+          <p:nvGrpSpPr>
+            <p:cNvPr id="9" name="Group 8">
               <a:extLst>
                 <a:ext uri="{FF2B5EF4-FFF2-40B4-BE49-F238E27FC236}">
-                  <a16:creationId xmlns:a16="http://schemas.microsoft.com/office/drawing/2014/main" id="{168AD2D6-4B21-4654-9F24-FF201F1E73DE}"/>
+                  <a16:creationId xmlns:a16="http://schemas.microsoft.com/office/drawing/2014/main" id="{D6F5EB49-A761-44DE-93DA-08BFE504E840}"/>
                 </a:ext>
               </a:extLst>
             </p:cNvPr>
-            <p:cNvSpPr txBox="1"/>
+            <p:cNvGrpSpPr/>
             <p:nvPr/>
-          </p:nvSpPr>
-          <p:spPr>
+          </p:nvGrpSpPr>
+          <p:grpSpPr>
             <a:xfrm>
               <a:off x="4436802" y="1576328"/>
-              <a:ext cx="3657543" cy="338554"/>
+              <a:ext cx="3749749" cy="2819572"/>
+              <a:chOff x="4436802" y="1576328"/>
+              <a:chExt cx="3749749" cy="2819572"/>
             </a:xfrm>
-            <a:prstGeom prst="rect">
-              <a:avLst/>
-            </a:prstGeom>
-            <a:noFill/>
-          </p:spPr>
-          <p:txBody>
-            <a:bodyPr wrap="square" rtlCol="0">
-              <a:spAutoFit/>
-            </a:bodyPr>
-            <a:lstStyle/>
-            <a:p>
-              <a:pPr algn="ctr"/>
-              <a:r>
-                <a:rPr lang="en-US" sz="1600" dirty="0">
+          </p:grpSpPr>
+          <p:sp>
+            <p:nvSpPr>
+              <p:cNvPr id="5" name="TextBox 4">
+                <a:extLst>
+                  <a:ext uri="{FF2B5EF4-FFF2-40B4-BE49-F238E27FC236}">
+                    <a16:creationId xmlns:a16="http://schemas.microsoft.com/office/drawing/2014/main" id="{168AD2D6-4B21-4654-9F24-FF201F1E73DE}"/>
+                  </a:ext>
+                </a:extLst>
+              </p:cNvPr>
+              <p:cNvSpPr txBox="1"/>
+              <p:nvPr/>
+            </p:nvSpPr>
+            <p:spPr>
+              <a:xfrm>
+                <a:off x="4436802" y="1576328"/>
+                <a:ext cx="3657543" cy="338554"/>
+              </a:xfrm>
+              <a:prstGeom prst="rect">
+                <a:avLst/>
+              </a:prstGeom>
+              <a:noFill/>
+            </p:spPr>
+            <p:txBody>
+              <a:bodyPr wrap="square" rtlCol="0">
+                <a:spAutoFit/>
+              </a:bodyPr>
+              <a:lstStyle/>
+              <a:p>
+                <a:pPr algn="ctr"/>
+                <a:r>
+                  <a:rPr lang="en-US" sz="1600" dirty="0">
+                    <a:solidFill>
+                      <a:schemeClr val="bg1"/>
+                    </a:solidFill>
+                  </a:rPr>
+                  <a:t>Struggling with social media engagement?</a:t>
+                </a:r>
+                <a:endParaRPr lang="en-US" dirty="0">
                   <a:solidFill>
                     <a:schemeClr val="bg1"/>
                   </a:solidFill>
-                </a:rPr>
-                <a:t>Struggling with social media engagement?</a:t>
-              </a:r>
-              <a:endParaRPr lang="en-US" dirty="0">
-                <a:solidFill>
-                  <a:schemeClr val="bg1"/>
-                </a:solidFill>
-              </a:endParaRPr>
-            </a:p>
-          </p:txBody>
-        </p:sp>
-        <p:sp>
-          <p:nvSpPr>
-            <p:cNvPr id="6" name="Rectangle 5">
-              <a:extLst>
-                <a:ext uri="{FF2B5EF4-FFF2-40B4-BE49-F238E27FC236}">
-                  <a16:creationId xmlns:a16="http://schemas.microsoft.com/office/drawing/2014/main" id="{BF096AEC-8911-416B-AD15-4B86E9C8E43F}"/>
-                </a:ext>
-              </a:extLst>
-            </p:cNvPr>
-            <p:cNvSpPr/>
-            <p:nvPr/>
-          </p:nvSpPr>
-          <p:spPr>
-            <a:xfrm>
-              <a:off x="4736953" y="1914882"/>
-              <a:ext cx="3057183" cy="923330"/>
-            </a:xfrm>
-            <a:prstGeom prst="rect">
-              <a:avLst/>
-            </a:prstGeom>
-            <a:noFill/>
-          </p:spPr>
-          <p:txBody>
-            <a:bodyPr wrap="none" lIns="91440" tIns="45720" rIns="91440" bIns="45720">
-              <a:spAutoFit/>
-            </a:bodyPr>
-            <a:lstStyle/>
-            <a:p>
-              <a:pPr algn="ctr"/>
-              <a:r>
-                <a:rPr lang="en-US" sz="5400" dirty="0">
-                  <a:ln w="0"/>
-                  <a:solidFill>
-                    <a:schemeClr val="accent1"/>
-                  </a:solidFill>
-                  <a:effectLst>
-                    <a:outerShdw blurRad="38100" dist="25400" dir="5400000" algn="ctr" rotWithShape="0">
-                      <a:srgbClr val="6E747A">
-                        <a:alpha val="43000"/>
-                      </a:srgbClr>
-                    </a:outerShdw>
-                  </a:effectLst>
-                </a:rPr>
-                <a:t>S3</a:t>
-              </a:r>
-              <a:r>
-                <a:rPr lang="en-US" sz="5400" b="1" cap="none" spc="0" dirty="0">
+                </a:endParaRPr>
+              </a:p>
+            </p:txBody>
+          </p:sp>
+          <p:sp>
+            <p:nvSpPr>
+              <p:cNvPr id="6" name="Rectangle 5">
+                <a:extLst>
+                  <a:ext uri="{FF2B5EF4-FFF2-40B4-BE49-F238E27FC236}">
+                    <a16:creationId xmlns:a16="http://schemas.microsoft.com/office/drawing/2014/main" id="{BF096AEC-8911-416B-AD15-4B86E9C8E43F}"/>
+                  </a:ext>
+                </a:extLst>
+              </p:cNvPr>
+              <p:cNvSpPr/>
+              <p:nvPr/>
+            </p:nvSpPr>
+            <p:spPr>
+              <a:xfrm>
+                <a:off x="4736953" y="1914882"/>
+                <a:ext cx="3057183" cy="923330"/>
+              </a:xfrm>
+              <a:prstGeom prst="rect">
+                <a:avLst/>
+              </a:prstGeom>
+              <a:noFill/>
+            </p:spPr>
+            <p:txBody>
+              <a:bodyPr wrap="none" lIns="91440" tIns="45720" rIns="91440" bIns="45720">
+                <a:spAutoFit/>
+              </a:bodyPr>
+              <a:lstStyle/>
+              <a:p>
+                <a:pPr algn="ctr"/>
+                <a:r>
+                  <a:rPr lang="en-US" sz="5400" dirty="0">
+                    <a:ln w="0"/>
+                    <a:solidFill>
+                      <a:schemeClr val="accent1"/>
+                    </a:solidFill>
+                    <a:effectLst>
+                      <a:outerShdw blurRad="38100" dist="25400" dir="5400000" algn="ctr" rotWithShape="0">
+                        <a:srgbClr val="6E747A">
+                          <a:alpha val="43000"/>
+                        </a:srgbClr>
+                      </a:outerShdw>
+                    </a:effectLst>
+                  </a:rPr>
+                  <a:t>S3</a:t>
+                </a:r>
+                <a:r>
+                  <a:rPr lang="en-US" sz="5400" b="1" cap="none" spc="0" dirty="0">
+                    <a:ln w="12700">
+                      <a:solidFill>
+                        <a:schemeClr val="accent1"/>
+                      </a:solidFill>
+                      <a:prstDash val="solid"/>
+                    </a:ln>
+                    <a:pattFill prst="pct50">
+                      <a:fgClr>
+                        <a:schemeClr val="accent1"/>
+                      </a:fgClr>
+                      <a:bgClr>
+                        <a:schemeClr val="accent1">
+                          <a:lumMod val="20000"/>
+                          <a:lumOff val="80000"/>
+                        </a:schemeClr>
+                      </a:bgClr>
+                    </a:pattFill>
+                    <a:effectLst>
+                      <a:outerShdw dist="38100" dir="2640000" algn="bl" rotWithShape="0">
+                        <a:schemeClr val="accent1"/>
+                      </a:outerShdw>
+                    </a:effectLst>
+                  </a:rPr>
+                  <a:t> </a:t>
+                </a:r>
+                <a:r>
+                  <a:rPr lang="en-US" sz="5400" dirty="0">
+                    <a:ln w="0"/>
+                    <a:solidFill>
+                      <a:schemeClr val="accent1"/>
+                    </a:solidFill>
+                    <a:effectLst>
+                      <a:outerShdw blurRad="38100" dist="25400" dir="5400000" algn="ctr" rotWithShape="0">
+                        <a:srgbClr val="6E747A">
+                          <a:alpha val="43000"/>
+                        </a:srgbClr>
+                      </a:outerShdw>
+                    </a:effectLst>
+                  </a:rPr>
+                  <a:t>Engage</a:t>
+                </a:r>
+                <a:endParaRPr lang="en-US" sz="5400" b="1" cap="none" spc="0" dirty="0">
                   <a:ln w="12700">
                     <a:solidFill>
                       <a:schemeClr val="accent1"/>
@@ -10423,98 +10485,111 @@
                       <a:schemeClr val="accent1"/>
                     </a:outerShdw>
                   </a:effectLst>
-                </a:rPr>
-                <a:t> </a:t>
-              </a:r>
-              <a:r>
-                <a:rPr lang="en-US" sz="5400" dirty="0">
-                  <a:ln w="0"/>
-                  <a:solidFill>
-                    <a:schemeClr val="accent1"/>
-                  </a:solidFill>
-                  <a:effectLst>
-                    <a:outerShdw blurRad="38100" dist="25400" dir="5400000" algn="ctr" rotWithShape="0">
-                      <a:srgbClr val="6E747A">
-                        <a:alpha val="43000"/>
-                      </a:srgbClr>
-                    </a:outerShdw>
-                  </a:effectLst>
-                </a:rPr>
-                <a:t>Engage</a:t>
-              </a:r>
-              <a:endParaRPr lang="en-US" sz="5400" b="1" cap="none" spc="0" dirty="0">
-                <a:ln w="12700">
-                  <a:solidFill>
-                    <a:schemeClr val="accent1"/>
-                  </a:solidFill>
-                  <a:prstDash val="solid"/>
-                </a:ln>
-                <a:pattFill prst="pct50">
-                  <a:fgClr>
-                    <a:schemeClr val="accent1"/>
-                  </a:fgClr>
-                  <a:bgClr>
-                    <a:schemeClr val="accent1">
-                      <a:lumMod val="20000"/>
-                      <a:lumOff val="80000"/>
-                    </a:schemeClr>
-                  </a:bgClr>
-                </a:pattFill>
-                <a:effectLst>
-                  <a:outerShdw dist="38100" dir="2640000" algn="bl" rotWithShape="0">
-                    <a:schemeClr val="accent1"/>
-                  </a:outerShdw>
-                </a:effectLst>
-              </a:endParaRPr>
-            </a:p>
-          </p:txBody>
-        </p:sp>
+                </a:endParaRPr>
+              </a:p>
+            </p:txBody>
+          </p:sp>
+          <p:sp>
+            <p:nvSpPr>
+              <p:cNvPr id="7" name="TextBox 6">
+                <a:extLst>
+                  <a:ext uri="{FF2B5EF4-FFF2-40B4-BE49-F238E27FC236}">
+                    <a16:creationId xmlns:a16="http://schemas.microsoft.com/office/drawing/2014/main" id="{4BD15A4A-4B65-4071-BA53-6DA3EF9F9B20}"/>
+                  </a:ext>
+                </a:extLst>
+              </p:cNvPr>
+              <p:cNvSpPr txBox="1"/>
+              <p:nvPr/>
+            </p:nvSpPr>
+            <p:spPr>
+              <a:xfrm>
+                <a:off x="4436802" y="3058570"/>
+                <a:ext cx="3749749" cy="584775"/>
+              </a:xfrm>
+              <a:prstGeom prst="rect">
+                <a:avLst/>
+              </a:prstGeom>
+              <a:noFill/>
+            </p:spPr>
+            <p:txBody>
+              <a:bodyPr wrap="square" rtlCol="0">
+                <a:spAutoFit/>
+              </a:bodyPr>
+              <a:lstStyle/>
+              <a:p>
+                <a:pPr algn="ctr"/>
+                <a:r>
+                  <a:rPr lang="en-US" sz="1600" dirty="0">
+                    <a:solidFill>
+                      <a:schemeClr val="bg1"/>
+                    </a:solidFill>
+                  </a:rPr>
+                  <a:t>FIND, PLAN, &amp; POST better content to triple your social media engagement today.</a:t>
+                </a:r>
+              </a:p>
+            </p:txBody>
+          </p:sp>
+          <p:sp>
+            <p:nvSpPr>
+              <p:cNvPr id="8" name="Flowchart: Terminator 7">
+                <a:extLst>
+                  <a:ext uri="{FF2B5EF4-FFF2-40B4-BE49-F238E27FC236}">
+                    <a16:creationId xmlns:a16="http://schemas.microsoft.com/office/drawing/2014/main" id="{43CAA4C1-3352-41AC-96F6-63D64F21C7A1}"/>
+                  </a:ext>
+                </a:extLst>
+              </p:cNvPr>
+              <p:cNvSpPr/>
+              <p:nvPr/>
+            </p:nvSpPr>
+            <p:spPr>
+              <a:xfrm>
+                <a:off x="5573713" y="3955313"/>
+                <a:ext cx="1614604" cy="440587"/>
+              </a:xfrm>
+              <a:prstGeom prst="flowChartTerminator">
+                <a:avLst/>
+              </a:prstGeom>
+              <a:ln>
+                <a:solidFill>
+                  <a:schemeClr val="accent1"/>
+                </a:solidFill>
+              </a:ln>
+            </p:spPr>
+            <p:style>
+              <a:lnRef idx="2">
+                <a:schemeClr val="accent1">
+                  <a:shade val="50000"/>
+                </a:schemeClr>
+              </a:lnRef>
+              <a:fillRef idx="1">
+                <a:schemeClr val="accent1"/>
+              </a:fillRef>
+              <a:effectRef idx="0">
+                <a:schemeClr val="accent1"/>
+              </a:effectRef>
+              <a:fontRef idx="minor">
+                <a:schemeClr val="lt1"/>
+              </a:fontRef>
+            </p:style>
+            <p:txBody>
+              <a:bodyPr rtlCol="0" anchor="ctr"/>
+              <a:lstStyle/>
+              <a:p>
+                <a:pPr algn="ctr"/>
+                <a:r>
+                  <a:rPr lang="en-US" sz="1400" dirty="0"/>
+                  <a:t>Learn More</a:t>
+                </a:r>
+              </a:p>
+            </p:txBody>
+          </p:sp>
+        </p:grpSp>
         <p:sp>
           <p:nvSpPr>
-            <p:cNvPr id="7" name="TextBox 6">
+            <p:cNvPr id="13" name="Oval 12">
               <a:extLst>
                 <a:ext uri="{FF2B5EF4-FFF2-40B4-BE49-F238E27FC236}">
-                  <a16:creationId xmlns:a16="http://schemas.microsoft.com/office/drawing/2014/main" id="{4BD15A4A-4B65-4071-BA53-6DA3EF9F9B20}"/>
-                </a:ext>
-              </a:extLst>
-            </p:cNvPr>
-            <p:cNvSpPr txBox="1"/>
-            <p:nvPr/>
-          </p:nvSpPr>
-          <p:spPr>
-            <a:xfrm>
-              <a:off x="4436802" y="3058570"/>
-              <a:ext cx="3749749" cy="584775"/>
-            </a:xfrm>
-            <a:prstGeom prst="rect">
-              <a:avLst/>
-            </a:prstGeom>
-            <a:noFill/>
-          </p:spPr>
-          <p:txBody>
-            <a:bodyPr wrap="square" rtlCol="0">
-              <a:spAutoFit/>
-            </a:bodyPr>
-            <a:lstStyle/>
-            <a:p>
-              <a:pPr algn="ctr"/>
-              <a:r>
-                <a:rPr lang="en-US" sz="1600" dirty="0">
-                  <a:solidFill>
-                    <a:schemeClr val="bg1"/>
-                  </a:solidFill>
-                </a:rPr>
-                <a:t>FIND, PLAN, &amp; POST better content to triple your social media engagement today.</a:t>
-              </a:r>
-            </a:p>
-          </p:txBody>
-        </p:sp>
-        <p:sp>
-          <p:nvSpPr>
-            <p:cNvPr id="8" name="Flowchart: Terminator 7">
-              <a:extLst>
-                <a:ext uri="{FF2B5EF4-FFF2-40B4-BE49-F238E27FC236}">
-                  <a16:creationId xmlns:a16="http://schemas.microsoft.com/office/drawing/2014/main" id="{43CAA4C1-3352-41AC-96F6-63D64F21C7A1}"/>
+                  <a16:creationId xmlns:a16="http://schemas.microsoft.com/office/drawing/2014/main" id="{2ADF1F78-5AD9-417C-BFAD-E609D772857E}"/>
                 </a:ext>
               </a:extLst>
             </p:cNvPr>
@@ -10523,15 +10598,16 @@
           </p:nvSpPr>
           <p:spPr>
             <a:xfrm>
-              <a:off x="5573713" y="3955313"/>
-              <a:ext cx="1614604" cy="440587"/>
+              <a:off x="11805921" y="112595"/>
+              <a:ext cx="284480" cy="273485"/>
             </a:xfrm>
-            <a:prstGeom prst="flowChartTerminator">
+            <a:prstGeom prst="ellipse">
               <a:avLst/>
             </a:prstGeom>
+            <a:noFill/>
             <a:ln>
               <a:solidFill>
-                <a:schemeClr val="accent1"/>
+                <a:schemeClr val="bg1"/>
               </a:solidFill>
             </a:ln>
           </p:spPr>
@@ -10557,68 +10633,13 @@
             <a:p>
               <a:pPr algn="ctr"/>
               <a:r>
-                <a:rPr lang="en-US" sz="1400" dirty="0"/>
-                <a:t>Learn More</a:t>
+                <a:rPr lang="en-US" dirty="0"/>
+                <a:t>x</a:t>
               </a:r>
             </a:p>
           </p:txBody>
         </p:sp>
       </p:grpSp>
-      <p:sp>
-        <p:nvSpPr>
-          <p:cNvPr id="13" name="Oval 12">
-            <a:extLst>
-              <a:ext uri="{FF2B5EF4-FFF2-40B4-BE49-F238E27FC236}">
-                <a16:creationId xmlns:a16="http://schemas.microsoft.com/office/drawing/2014/main" id="{2ADF1F78-5AD9-417C-BFAD-E609D772857E}"/>
-              </a:ext>
-            </a:extLst>
-          </p:cNvPr>
-          <p:cNvSpPr/>
-          <p:nvPr/>
-        </p:nvSpPr>
-        <p:spPr>
-          <a:xfrm>
-            <a:off x="11805921" y="112595"/>
-            <a:ext cx="284480" cy="273485"/>
-          </a:xfrm>
-          <a:prstGeom prst="ellipse">
-            <a:avLst/>
-          </a:prstGeom>
-          <a:noFill/>
-          <a:ln>
-            <a:solidFill>
-              <a:schemeClr val="bg1"/>
-            </a:solidFill>
-          </a:ln>
-        </p:spPr>
-        <p:style>
-          <a:lnRef idx="2">
-            <a:schemeClr val="accent1">
-              <a:shade val="50000"/>
-            </a:schemeClr>
-          </a:lnRef>
-          <a:fillRef idx="1">
-            <a:schemeClr val="accent1"/>
-          </a:fillRef>
-          <a:effectRef idx="0">
-            <a:schemeClr val="accent1"/>
-          </a:effectRef>
-          <a:fontRef idx="minor">
-            <a:schemeClr val="lt1"/>
-          </a:fontRef>
-        </p:style>
-        <p:txBody>
-          <a:bodyPr rtlCol="0" anchor="ctr"/>
-          <a:lstStyle/>
-          <a:p>
-            <a:pPr algn="ctr"/>
-            <a:r>
-              <a:rPr lang="en-US" dirty="0"/>
-              <a:t>x</a:t>
-            </a:r>
-          </a:p>
-        </p:txBody>
-      </p:sp>
     </p:spTree>
     <p:extLst>
       <p:ext uri="{BB962C8B-B14F-4D97-AF65-F5344CB8AC3E}">
